--- a/Diagram.pptx
+++ b/Diagram.pptx
@@ -3287,8 +3287,13 @@
             <a:pPr algn="ctr"/>
             <a:r>
               <a:rPr lang="en-US" b="1" dirty="0" smtClean="0"/>
-              <a:t>LED 1</a:t>
-            </a:r>
+              <a:t>LED </a:t>
+            </a:r>
+            <a:r>
+              <a:rPr lang="en-US" b="1" dirty="0" smtClean="0"/>
+              <a:t>2</a:t>
+            </a:r>
+            <a:endParaRPr lang="en-US" b="1" dirty="0" smtClean="0"/>
           </a:p>
         </p:txBody>
       </p:sp>
@@ -3364,8 +3369,13 @@
             <a:pPr algn="ctr"/>
             <a:r>
               <a:rPr lang="en-US" b="1" dirty="0" smtClean="0"/>
-              <a:t>LED 1</a:t>
-            </a:r>
+              <a:t>LED </a:t>
+            </a:r>
+            <a:r>
+              <a:rPr lang="en-US" b="1" dirty="0" smtClean="0"/>
+              <a:t>3</a:t>
+            </a:r>
+            <a:endParaRPr lang="en-US" b="1" dirty="0" smtClean="0"/>
           </a:p>
         </p:txBody>
       </p:sp>
@@ -3441,8 +3451,13 @@
             <a:pPr algn="ctr"/>
             <a:r>
               <a:rPr lang="en-US" b="1" dirty="0" smtClean="0"/>
-              <a:t>LED 1</a:t>
-            </a:r>
+              <a:t>LED </a:t>
+            </a:r>
+            <a:r>
+              <a:rPr lang="en-US" b="1" dirty="0" smtClean="0"/>
+              <a:t>4</a:t>
+            </a:r>
+            <a:endParaRPr lang="en-US" b="1" dirty="0" smtClean="0"/>
           </a:p>
         </p:txBody>
       </p:sp>
@@ -3560,8 +3575,13 @@
             <a:pPr algn="ctr"/>
             <a:r>
               <a:rPr lang="en-US" b="1" dirty="0" smtClean="0"/>
-              <a:t>BUTTON 1</a:t>
-            </a:r>
+              <a:t>BUTTON </a:t>
+            </a:r>
+            <a:r>
+              <a:rPr lang="en-US" b="1" dirty="0" smtClean="0"/>
+              <a:t>2</a:t>
+            </a:r>
+            <a:endParaRPr lang="en-US" b="1" dirty="0" smtClean="0"/>
           </a:p>
         </p:txBody>
       </p:sp>
@@ -3602,8 +3622,13 @@
             <a:pPr algn="ctr"/>
             <a:r>
               <a:rPr lang="en-US" b="1" dirty="0" smtClean="0"/>
-              <a:t>BUTTON 1</a:t>
-            </a:r>
+              <a:t>BUTTON </a:t>
+            </a:r>
+            <a:r>
+              <a:rPr lang="en-US" b="1" dirty="0" smtClean="0"/>
+              <a:t>3</a:t>
+            </a:r>
+            <a:endParaRPr lang="en-US" b="1" dirty="0" smtClean="0"/>
           </a:p>
         </p:txBody>
       </p:sp>
@@ -3643,9 +3668,14 @@
           <a:p>
             <a:pPr algn="ctr"/>
             <a:r>
-              <a:rPr lang="en-US" b="1" dirty="0" smtClean="0"/>
-              <a:t>BUTTON 1</a:t>
-            </a:r>
+              <a:rPr lang="en-US" b="1" smtClean="0"/>
+              <a:t>BUTTON </a:t>
+            </a:r>
+            <a:r>
+              <a:rPr lang="en-US" b="1" smtClean="0"/>
+              <a:t>4</a:t>
+            </a:r>
+            <a:endParaRPr lang="en-US" b="1" dirty="0" smtClean="0"/>
           </a:p>
         </p:txBody>
       </p:sp>
